--- a/pic/RdmaAcc.pptx
+++ b/pic/RdmaAcc.pptx
@@ -6,6 +6,7 @@
   </p:sldMasterIdLst>
   <p:sldIdLst>
     <p:sldId id="256" r:id="rId2"/>
+    <p:sldId id="257" r:id="rId3"/>
   </p:sldIdLst>
   <p:sldSz cx="12192000" cy="6858000"/>
   <p:notesSz cx="6858000" cy="9144000"/>
@@ -104,6 +105,11 @@
       </a:defRPr>
     </a:lvl9pPr>
   </p:defaultTextStyle>
+  <p:extLst>
+    <p:ext uri="{EFAFB233-063F-42B5-8137-9DF3F51BA10A}">
+      <p15:sldGuideLst xmlns:p15="http://schemas.microsoft.com/office/powerpoint/2012/main"/>
+    </p:ext>
+  </p:extLst>
 </p:presentation>
 </file>
 
@@ -5321,6 +5327,2037 @@
 </p:sld>
 </file>
 
+<file path=ppt/slides/slide2.xml><?xml version="1.0" encoding="utf-8"?>
+<p:sld xmlns:a="http://schemas.openxmlformats.org/drawingml/2006/main" xmlns:r="http://schemas.openxmlformats.org/officeDocument/2006/relationships" xmlns:p="http://schemas.openxmlformats.org/presentationml/2006/main">
+  <p:cSld>
+    <p:spTree>
+      <p:nvGrpSpPr>
+        <p:cNvPr id="1" name=""/>
+        <p:cNvGrpSpPr/>
+        <p:nvPr/>
+      </p:nvGrpSpPr>
+      <p:grpSpPr>
+        <a:xfrm>
+          <a:off x="0" y="0"/>
+          <a:ext cx="0" cy="0"/>
+          <a:chOff x="0" y="0"/>
+          <a:chExt cx="0" cy="0"/>
+        </a:xfrm>
+      </p:grpSpPr>
+      <p:sp>
+        <p:nvSpPr>
+          <p:cNvPr id="8" name="圆角矩形 7"/>
+          <p:cNvSpPr/>
+          <p:nvPr/>
+        </p:nvSpPr>
+        <p:spPr>
+          <a:xfrm>
+            <a:off x="451262" y="486888"/>
+            <a:ext cx="11293434" cy="3871356"/>
+          </a:xfrm>
+          <a:prstGeom prst="roundRect">
+            <a:avLst/>
+          </a:prstGeom>
+          <a:solidFill>
+            <a:schemeClr val="accent1">
+              <a:lumMod val="20000"/>
+              <a:lumOff val="80000"/>
+            </a:schemeClr>
+          </a:solidFill>
+        </p:spPr>
+        <p:style>
+          <a:lnRef idx="2">
+            <a:schemeClr val="accent1">
+              <a:shade val="50000"/>
+            </a:schemeClr>
+          </a:lnRef>
+          <a:fillRef idx="1">
+            <a:schemeClr val="accent1"/>
+          </a:fillRef>
+          <a:effectRef idx="0">
+            <a:schemeClr val="accent1"/>
+          </a:effectRef>
+          <a:fontRef idx="minor">
+            <a:schemeClr val="lt1"/>
+          </a:fontRef>
+        </p:style>
+        <p:txBody>
+          <a:bodyPr rtlCol="0" anchor="ctr"/>
+          <a:lstStyle/>
+          <a:p>
+            <a:pPr algn="ctr"/>
+            <a:endParaRPr lang="zh-CN" altLang="en-US"/>
+          </a:p>
+        </p:txBody>
+      </p:sp>
+      <p:sp>
+        <p:nvSpPr>
+          <p:cNvPr id="4" name="矩形 3"/>
+          <p:cNvSpPr/>
+          <p:nvPr/>
+        </p:nvSpPr>
+        <p:spPr>
+          <a:xfrm>
+            <a:off x="769175" y="1188029"/>
+            <a:ext cx="2923309" cy="2897083"/>
+          </a:xfrm>
+          <a:prstGeom prst="rect">
+            <a:avLst/>
+          </a:prstGeom>
+        </p:spPr>
+        <p:style>
+          <a:lnRef idx="2">
+            <a:schemeClr val="accent1">
+              <a:shade val="50000"/>
+            </a:schemeClr>
+          </a:lnRef>
+          <a:fillRef idx="1">
+            <a:schemeClr val="accent1"/>
+          </a:fillRef>
+          <a:effectRef idx="0">
+            <a:schemeClr val="accent1"/>
+          </a:effectRef>
+          <a:fontRef idx="minor">
+            <a:schemeClr val="lt1"/>
+          </a:fontRef>
+        </p:style>
+        <p:txBody>
+          <a:bodyPr rtlCol="0" anchor="ctr"/>
+          <a:lstStyle/>
+          <a:p>
+            <a:pPr algn="ctr"/>
+            <a:endParaRPr lang="zh-CN" altLang="en-US"/>
+          </a:p>
+        </p:txBody>
+      </p:sp>
+      <p:sp>
+        <p:nvSpPr>
+          <p:cNvPr id="9" name="矩形 8"/>
+          <p:cNvSpPr/>
+          <p:nvPr/>
+        </p:nvSpPr>
+        <p:spPr>
+          <a:xfrm>
+            <a:off x="4718679" y="1199196"/>
+            <a:ext cx="2923309" cy="2897083"/>
+          </a:xfrm>
+          <a:prstGeom prst="rect">
+            <a:avLst/>
+          </a:prstGeom>
+        </p:spPr>
+        <p:style>
+          <a:lnRef idx="2">
+            <a:schemeClr val="accent1">
+              <a:shade val="50000"/>
+            </a:schemeClr>
+          </a:lnRef>
+          <a:fillRef idx="1">
+            <a:schemeClr val="accent1"/>
+          </a:fillRef>
+          <a:effectRef idx="0">
+            <a:schemeClr val="accent1"/>
+          </a:effectRef>
+          <a:fontRef idx="minor">
+            <a:schemeClr val="lt1"/>
+          </a:fontRef>
+        </p:style>
+        <p:txBody>
+          <a:bodyPr rtlCol="0" anchor="ctr"/>
+          <a:lstStyle/>
+          <a:p>
+            <a:pPr algn="ctr"/>
+            <a:endParaRPr lang="zh-CN" altLang="en-US"/>
+          </a:p>
+        </p:txBody>
+      </p:sp>
+      <p:sp>
+        <p:nvSpPr>
+          <p:cNvPr id="10" name="矩形 9"/>
+          <p:cNvSpPr/>
+          <p:nvPr/>
+        </p:nvSpPr>
+        <p:spPr>
+          <a:xfrm>
+            <a:off x="8497291" y="1188029"/>
+            <a:ext cx="2923309" cy="2897083"/>
+          </a:xfrm>
+          <a:prstGeom prst="rect">
+            <a:avLst/>
+          </a:prstGeom>
+        </p:spPr>
+        <p:style>
+          <a:lnRef idx="2">
+            <a:schemeClr val="accent1">
+              <a:shade val="50000"/>
+            </a:schemeClr>
+          </a:lnRef>
+          <a:fillRef idx="1">
+            <a:schemeClr val="accent1"/>
+          </a:fillRef>
+          <a:effectRef idx="0">
+            <a:schemeClr val="accent1"/>
+          </a:effectRef>
+          <a:fontRef idx="minor">
+            <a:schemeClr val="lt1"/>
+          </a:fontRef>
+        </p:style>
+        <p:txBody>
+          <a:bodyPr rtlCol="0" anchor="ctr"/>
+          <a:lstStyle/>
+          <a:p>
+            <a:pPr algn="ctr"/>
+            <a:endParaRPr lang="zh-CN" altLang="en-US"/>
+          </a:p>
+        </p:txBody>
+      </p:sp>
+      <p:sp>
+        <p:nvSpPr>
+          <p:cNvPr id="12" name="矩形 11"/>
+          <p:cNvSpPr/>
+          <p:nvPr/>
+        </p:nvSpPr>
+        <p:spPr>
+          <a:xfrm>
+            <a:off x="651411" y="406235"/>
+            <a:ext cx="2839933" cy="641267"/>
+          </a:xfrm>
+          <a:prstGeom prst="rect">
+            <a:avLst/>
+          </a:prstGeom>
+          <a:noFill/>
+          <a:ln>
+            <a:noFill/>
+          </a:ln>
+        </p:spPr>
+        <p:style>
+          <a:lnRef idx="2">
+            <a:schemeClr val="accent1">
+              <a:shade val="50000"/>
+            </a:schemeClr>
+          </a:lnRef>
+          <a:fillRef idx="1">
+            <a:schemeClr val="accent1"/>
+          </a:fillRef>
+          <a:effectRef idx="0">
+            <a:schemeClr val="accent1"/>
+          </a:effectRef>
+          <a:fontRef idx="minor">
+            <a:schemeClr val="lt1"/>
+          </a:fontRef>
+        </p:style>
+        <p:txBody>
+          <a:bodyPr rtlCol="0" anchor="ctr"/>
+          <a:lstStyle/>
+          <a:p>
+            <a:pPr algn="ctr"/>
+            <a:r>
+              <a:rPr lang="en-US" altLang="zh-CN" sz="2400" b="1" dirty="0" smtClean="0">
+                <a:solidFill>
+                  <a:schemeClr val="tx1"/>
+                </a:solidFill>
+              </a:rPr>
+              <a:t>Redis</a:t>
+            </a:r>
+            <a:r>
+              <a:rPr lang="zh-CN" altLang="en-US" sz="2400" b="1" dirty="0">
+                <a:solidFill>
+                  <a:schemeClr val="tx1"/>
+                </a:solidFill>
+              </a:rPr>
+              <a:t> </a:t>
+            </a:r>
+            <a:r>
+              <a:rPr lang="en-US" altLang="zh-CN" sz="2400" b="1" dirty="0" smtClean="0">
+                <a:solidFill>
+                  <a:schemeClr val="tx1"/>
+                </a:solidFill>
+              </a:rPr>
+              <a:t>Cluster Plus</a:t>
+            </a:r>
+            <a:endParaRPr lang="zh-CN" altLang="en-US" sz="2400" b="1" dirty="0">
+              <a:solidFill>
+                <a:schemeClr val="tx1"/>
+              </a:solidFill>
+            </a:endParaRPr>
+          </a:p>
+        </p:txBody>
+      </p:sp>
+      <p:sp>
+        <p:nvSpPr>
+          <p:cNvPr id="13" name="矩形 12"/>
+          <p:cNvSpPr/>
+          <p:nvPr/>
+        </p:nvSpPr>
+        <p:spPr>
+          <a:xfrm>
+            <a:off x="7683335" y="2150919"/>
+            <a:ext cx="670800" cy="641267"/>
+          </a:xfrm>
+          <a:prstGeom prst="rect">
+            <a:avLst/>
+          </a:prstGeom>
+          <a:noFill/>
+          <a:ln>
+            <a:noFill/>
+          </a:ln>
+        </p:spPr>
+        <p:style>
+          <a:lnRef idx="2">
+            <a:schemeClr val="accent1">
+              <a:shade val="50000"/>
+            </a:schemeClr>
+          </a:lnRef>
+          <a:fillRef idx="1">
+            <a:schemeClr val="accent1"/>
+          </a:fillRef>
+          <a:effectRef idx="0">
+            <a:schemeClr val="accent1"/>
+          </a:effectRef>
+          <a:fontRef idx="minor">
+            <a:schemeClr val="lt1"/>
+          </a:fontRef>
+        </p:style>
+        <p:txBody>
+          <a:bodyPr rtlCol="0" anchor="ctr"/>
+          <a:lstStyle/>
+          <a:p>
+            <a:pPr algn="ctr"/>
+            <a:r>
+              <a:rPr lang="en-US" altLang="zh-CN" sz="2400" b="1" dirty="0" smtClean="0">
+                <a:solidFill>
+                  <a:schemeClr val="tx1"/>
+                </a:solidFill>
+              </a:rPr>
+              <a:t>…</a:t>
+            </a:r>
+            <a:endParaRPr lang="zh-CN" altLang="en-US" sz="2400" b="1" dirty="0" smtClean="0">
+              <a:solidFill>
+                <a:schemeClr val="tx1"/>
+              </a:solidFill>
+            </a:endParaRPr>
+          </a:p>
+          <a:p>
+            <a:pPr algn="ctr"/>
+            <a:endParaRPr lang="zh-CN" altLang="en-US" sz="2400" b="1" dirty="0">
+              <a:solidFill>
+                <a:schemeClr val="tx1"/>
+              </a:solidFill>
+            </a:endParaRPr>
+          </a:p>
+        </p:txBody>
+      </p:sp>
+      <p:sp>
+        <p:nvSpPr>
+          <p:cNvPr id="14" name="矩形 13"/>
+          <p:cNvSpPr/>
+          <p:nvPr/>
+        </p:nvSpPr>
+        <p:spPr>
+          <a:xfrm>
+            <a:off x="769174" y="1188030"/>
+            <a:ext cx="2923310" cy="560614"/>
+          </a:xfrm>
+          <a:prstGeom prst="rect">
+            <a:avLst/>
+          </a:prstGeom>
+          <a:noFill/>
+          <a:ln>
+            <a:noFill/>
+          </a:ln>
+        </p:spPr>
+        <p:style>
+          <a:lnRef idx="2">
+            <a:schemeClr val="accent1">
+              <a:shade val="50000"/>
+            </a:schemeClr>
+          </a:lnRef>
+          <a:fillRef idx="1">
+            <a:schemeClr val="accent1"/>
+          </a:fillRef>
+          <a:effectRef idx="0">
+            <a:schemeClr val="accent1"/>
+          </a:effectRef>
+          <a:fontRef idx="minor">
+            <a:schemeClr val="lt1"/>
+          </a:fontRef>
+        </p:style>
+        <p:txBody>
+          <a:bodyPr rtlCol="0" anchor="ctr"/>
+          <a:lstStyle/>
+          <a:p>
+            <a:pPr algn="ctr"/>
+            <a:r>
+              <a:rPr lang="en-US" altLang="zh-CN" sz="1600" dirty="0" smtClean="0">
+                <a:solidFill>
+                  <a:schemeClr val="tx1"/>
+                </a:solidFill>
+              </a:rPr>
+              <a:t>slave</a:t>
+            </a:r>
+            <a:endParaRPr lang="zh-CN" altLang="en-US" sz="1600" dirty="0">
+              <a:solidFill>
+                <a:schemeClr val="tx1"/>
+              </a:solidFill>
+            </a:endParaRPr>
+          </a:p>
+        </p:txBody>
+      </p:sp>
+      <p:graphicFrame>
+        <p:nvGraphicFramePr>
+          <p:cNvPr id="18" name="表格 17"/>
+          <p:cNvGraphicFramePr>
+            <a:graphicFrameLocks noGrp="1"/>
+          </p:cNvGraphicFramePr>
+          <p:nvPr>
+            <p:extLst>
+              <p:ext uri="{D42A27DB-BD31-4B8C-83A1-F6EECF244321}">
+                <p14:modId xmlns:p14="http://schemas.microsoft.com/office/powerpoint/2010/main" val="3890203601"/>
+              </p:ext>
+            </p:extLst>
+          </p:nvPr>
+        </p:nvGraphicFramePr>
+        <p:xfrm>
+          <a:off x="5131619" y="1865314"/>
+          <a:ext cx="1970636" cy="1463040"/>
+        </p:xfrm>
+        <a:graphic>
+          <a:graphicData uri="http://schemas.openxmlformats.org/drawingml/2006/table">
+            <a:tbl>
+              <a:tblPr firstRow="1" bandRow="1">
+                <a:tableStyleId>{93296810-A885-4BE3-A3E7-6D5BEEA58F35}</a:tableStyleId>
+              </a:tblPr>
+              <a:tblGrid>
+                <a:gridCol w="985318">
+                  <a:extLst>
+                    <a:ext uri="{9D8B030D-6E8A-4147-A177-3AD203B41FA5}">
+                      <a16:colId xmlns:a16="http://schemas.microsoft.com/office/drawing/2014/main" val="686841733"/>
+                    </a:ext>
+                  </a:extLst>
+                </a:gridCol>
+                <a:gridCol w="985318">
+                  <a:extLst>
+                    <a:ext uri="{9D8B030D-6E8A-4147-A177-3AD203B41FA5}">
+                      <a16:colId xmlns:a16="http://schemas.microsoft.com/office/drawing/2014/main" val="3772081346"/>
+                    </a:ext>
+                  </a:extLst>
+                </a:gridCol>
+              </a:tblGrid>
+              <a:tr h="247032">
+                <a:tc>
+                  <a:txBody>
+                    <a:bodyPr/>
+                    <a:lstStyle/>
+                    <a:p>
+                      <a:pPr algn="ctr"/>
+                      <a:r>
+                        <a:rPr lang="en-US" altLang="zh-CN" dirty="0" smtClean="0"/>
+                        <a:t>key</a:t>
+                      </a:r>
+                      <a:endParaRPr lang="zh-CN" altLang="en-US" dirty="0">
+                        <a:solidFill>
+                          <a:schemeClr val="tx1"/>
+                        </a:solidFill>
+                      </a:endParaRPr>
+                    </a:p>
+                  </a:txBody>
+                  <a:tcPr/>
+                </a:tc>
+                <a:tc>
+                  <a:txBody>
+                    <a:bodyPr/>
+                    <a:lstStyle/>
+                    <a:p>
+                      <a:pPr algn="ctr"/>
+                      <a:r>
+                        <a:rPr lang="en-US" altLang="zh-CN" dirty="0" smtClean="0"/>
+                        <a:t>value</a:t>
+                      </a:r>
+                      <a:endParaRPr lang="zh-CN" altLang="en-US" dirty="0">
+                        <a:solidFill>
+                          <a:schemeClr val="tx1"/>
+                        </a:solidFill>
+                      </a:endParaRPr>
+                    </a:p>
+                  </a:txBody>
+                  <a:tcPr/>
+                </a:tc>
+                <a:extLst>
+                  <a:ext uri="{0D108BD9-81ED-4DB2-BD59-A6C34878D82A}">
+                    <a16:rowId xmlns:a16="http://schemas.microsoft.com/office/drawing/2014/main" val="1792960908"/>
+                  </a:ext>
+                </a:extLst>
+              </a:tr>
+              <a:tr h="247032">
+                <a:tc>
+                  <a:txBody>
+                    <a:bodyPr/>
+                    <a:lstStyle/>
+                    <a:p>
+                      <a:pPr algn="ctr"/>
+                      <a:r>
+                        <a:rPr lang="en-US" altLang="zh-CN" dirty="0" smtClean="0">
+                          <a:solidFill>
+                            <a:schemeClr val="tx1"/>
+                          </a:solidFill>
+                        </a:rPr>
+                        <a:t>key1</a:t>
+                      </a:r>
+                      <a:endParaRPr lang="zh-CN" altLang="en-US" dirty="0">
+                        <a:solidFill>
+                          <a:schemeClr val="tx1"/>
+                        </a:solidFill>
+                      </a:endParaRPr>
+                    </a:p>
+                  </a:txBody>
+                  <a:tcPr/>
+                </a:tc>
+                <a:tc>
+                  <a:txBody>
+                    <a:bodyPr/>
+                    <a:lstStyle/>
+                    <a:p>
+                      <a:pPr algn="ctr"/>
+                      <a:r>
+                        <a:rPr lang="en-US" altLang="zh-CN" dirty="0" smtClean="0">
+                          <a:solidFill>
+                            <a:schemeClr val="tx1"/>
+                          </a:solidFill>
+                        </a:rPr>
+                        <a:t>value1</a:t>
+                      </a:r>
+                      <a:endParaRPr lang="en-US" altLang="zh-CN" dirty="0" smtClean="0">
+                        <a:solidFill>
+                          <a:schemeClr val="tx1"/>
+                        </a:solidFill>
+                      </a:endParaRPr>
+                    </a:p>
+                  </a:txBody>
+                  <a:tcPr/>
+                </a:tc>
+                <a:extLst>
+                  <a:ext uri="{0D108BD9-81ED-4DB2-BD59-A6C34878D82A}">
+                    <a16:rowId xmlns:a16="http://schemas.microsoft.com/office/drawing/2014/main" val="665617159"/>
+                  </a:ext>
+                </a:extLst>
+              </a:tr>
+              <a:tr h="247032">
+                <a:tc>
+                  <a:txBody>
+                    <a:bodyPr/>
+                    <a:lstStyle/>
+                    <a:p>
+                      <a:pPr algn="ctr"/>
+                      <a:r>
+                        <a:rPr lang="en-US" altLang="zh-CN" dirty="0" smtClean="0">
+                          <a:solidFill>
+                            <a:schemeClr val="tx1"/>
+                          </a:solidFill>
+                        </a:rPr>
+                        <a:t>key2</a:t>
+                      </a:r>
+                      <a:endParaRPr lang="zh-CN" altLang="en-US" dirty="0">
+                        <a:solidFill>
+                          <a:schemeClr val="tx1"/>
+                        </a:solidFill>
+                      </a:endParaRPr>
+                    </a:p>
+                  </a:txBody>
+                  <a:tcPr/>
+                </a:tc>
+                <a:tc>
+                  <a:txBody>
+                    <a:bodyPr/>
+                    <a:lstStyle/>
+                    <a:p>
+                      <a:pPr algn="ctr"/>
+                      <a:r>
+                        <a:rPr lang="en-US" altLang="zh-CN" dirty="0" smtClean="0">
+                          <a:solidFill>
+                            <a:schemeClr val="tx1"/>
+                          </a:solidFill>
+                        </a:rPr>
+                        <a:t>value2</a:t>
+                      </a:r>
+                      <a:endParaRPr lang="zh-CN" altLang="en-US" dirty="0">
+                        <a:solidFill>
+                          <a:schemeClr val="tx1"/>
+                        </a:solidFill>
+                      </a:endParaRPr>
+                    </a:p>
+                  </a:txBody>
+                  <a:tcPr/>
+                </a:tc>
+                <a:extLst>
+                  <a:ext uri="{0D108BD9-81ED-4DB2-BD59-A6C34878D82A}">
+                    <a16:rowId xmlns:a16="http://schemas.microsoft.com/office/drawing/2014/main" val="3810028031"/>
+                  </a:ext>
+                </a:extLst>
+              </a:tr>
+              <a:tr h="247032">
+                <a:tc>
+                  <a:txBody>
+                    <a:bodyPr/>
+                    <a:lstStyle/>
+                    <a:p>
+                      <a:pPr algn="ctr"/>
+                      <a:r>
+                        <a:rPr lang="en-US" altLang="zh-CN" dirty="0" smtClean="0">
+                          <a:solidFill>
+                            <a:schemeClr val="tx1"/>
+                          </a:solidFill>
+                        </a:rPr>
+                        <a:t>key3</a:t>
+                      </a:r>
+                      <a:endParaRPr lang="zh-CN" altLang="en-US" dirty="0">
+                        <a:solidFill>
+                          <a:schemeClr val="tx1"/>
+                        </a:solidFill>
+                      </a:endParaRPr>
+                    </a:p>
+                  </a:txBody>
+                  <a:tcPr/>
+                </a:tc>
+                <a:tc>
+                  <a:txBody>
+                    <a:bodyPr/>
+                    <a:lstStyle/>
+                    <a:p>
+                      <a:pPr algn="ctr"/>
+                      <a:r>
+                        <a:rPr lang="en-US" altLang="zh-CN" dirty="0" smtClean="0">
+                          <a:solidFill>
+                            <a:schemeClr val="tx1"/>
+                          </a:solidFill>
+                        </a:rPr>
+                        <a:t>value3</a:t>
+                      </a:r>
+                      <a:endParaRPr lang="zh-CN" altLang="en-US" dirty="0">
+                        <a:solidFill>
+                          <a:schemeClr val="tx1"/>
+                        </a:solidFill>
+                      </a:endParaRPr>
+                    </a:p>
+                  </a:txBody>
+                  <a:tcPr/>
+                </a:tc>
+                <a:extLst>
+                  <a:ext uri="{0D108BD9-81ED-4DB2-BD59-A6C34878D82A}">
+                    <a16:rowId xmlns:a16="http://schemas.microsoft.com/office/drawing/2014/main" val="3960951586"/>
+                  </a:ext>
+                </a:extLst>
+              </a:tr>
+            </a:tbl>
+          </a:graphicData>
+        </a:graphic>
+      </p:graphicFrame>
+      <p:sp>
+        <p:nvSpPr>
+          <p:cNvPr id="23" name="矩形 22"/>
+          <p:cNvSpPr/>
+          <p:nvPr/>
+        </p:nvSpPr>
+        <p:spPr>
+          <a:xfrm>
+            <a:off x="1583623" y="5652460"/>
+            <a:ext cx="2316957" cy="771896"/>
+          </a:xfrm>
+          <a:prstGeom prst="rect">
+            <a:avLst/>
+          </a:prstGeom>
+          <a:solidFill>
+            <a:schemeClr val="accent3">
+              <a:lumMod val="75000"/>
+            </a:schemeClr>
+          </a:solidFill>
+        </p:spPr>
+        <p:style>
+          <a:lnRef idx="2">
+            <a:schemeClr val="accent1">
+              <a:shade val="50000"/>
+            </a:schemeClr>
+          </a:lnRef>
+          <a:fillRef idx="1">
+            <a:schemeClr val="accent1"/>
+          </a:fillRef>
+          <a:effectRef idx="0">
+            <a:schemeClr val="accent1"/>
+          </a:effectRef>
+          <a:fontRef idx="minor">
+            <a:schemeClr val="lt1"/>
+          </a:fontRef>
+        </p:style>
+        <p:txBody>
+          <a:bodyPr rtlCol="0" anchor="ctr"/>
+          <a:lstStyle/>
+          <a:p>
+            <a:pPr algn="ctr"/>
+            <a:r>
+              <a:rPr lang="en-US" altLang="zh-CN" dirty="0" err="1"/>
+              <a:t>r</a:t>
+            </a:r>
+            <a:r>
+              <a:rPr lang="en-US" altLang="zh-CN" dirty="0" err="1" smtClean="0"/>
+              <a:t>edis</a:t>
+            </a:r>
+            <a:r>
+              <a:rPr lang="en-US" altLang="zh-CN" dirty="0" smtClean="0"/>
+              <a:t>-cli</a:t>
+            </a:r>
+            <a:endParaRPr lang="zh-CN" altLang="en-US" dirty="0"/>
+          </a:p>
+        </p:txBody>
+      </p:sp>
+      <p:cxnSp>
+        <p:nvCxnSpPr>
+          <p:cNvPr id="25" name="直接箭头连接符 24"/>
+          <p:cNvCxnSpPr/>
+          <p:nvPr/>
+        </p:nvCxnSpPr>
+        <p:spPr>
+          <a:xfrm>
+            <a:off x="1649028" y="4085112"/>
+            <a:ext cx="1" cy="1567348"/>
+          </a:xfrm>
+          <a:prstGeom prst="straightConnector1">
+            <a:avLst/>
+          </a:prstGeom>
+          <a:ln w="57150" cap="flat" cmpd="sng" algn="ctr">
+            <a:solidFill>
+              <a:schemeClr val="accent5"/>
+            </a:solidFill>
+            <a:prstDash val="solid"/>
+            <a:round/>
+            <a:headEnd type="arrow" w="med" len="med"/>
+            <a:tailEnd type="arrow" w="med" len="med"/>
+          </a:ln>
+        </p:spPr>
+        <p:style>
+          <a:lnRef idx="0">
+            <a:scrgbClr r="0" g="0" b="0"/>
+          </a:lnRef>
+          <a:fillRef idx="0">
+            <a:scrgbClr r="0" g="0" b="0"/>
+          </a:fillRef>
+          <a:effectRef idx="0">
+            <a:scrgbClr r="0" g="0" b="0"/>
+          </a:effectRef>
+          <a:fontRef idx="minor">
+            <a:schemeClr val="tx1"/>
+          </a:fontRef>
+        </p:style>
+      </p:cxnSp>
+      <p:sp>
+        <p:nvSpPr>
+          <p:cNvPr id="26" name="矩形 25"/>
+          <p:cNvSpPr/>
+          <p:nvPr/>
+        </p:nvSpPr>
+        <p:spPr>
+          <a:xfrm>
+            <a:off x="513685" y="4741468"/>
+            <a:ext cx="1130653" cy="447952"/>
+          </a:xfrm>
+          <a:prstGeom prst="rect">
+            <a:avLst/>
+          </a:prstGeom>
+          <a:noFill/>
+          <a:ln>
+            <a:noFill/>
+          </a:ln>
+        </p:spPr>
+        <p:style>
+          <a:lnRef idx="2">
+            <a:schemeClr val="accent1">
+              <a:shade val="50000"/>
+            </a:schemeClr>
+          </a:lnRef>
+          <a:fillRef idx="1">
+            <a:schemeClr val="accent1"/>
+          </a:fillRef>
+          <a:effectRef idx="0">
+            <a:schemeClr val="accent1"/>
+          </a:effectRef>
+          <a:fontRef idx="minor">
+            <a:schemeClr val="lt1"/>
+          </a:fontRef>
+        </p:style>
+        <p:txBody>
+          <a:bodyPr rtlCol="0" anchor="ctr"/>
+          <a:lstStyle/>
+          <a:p>
+            <a:pPr algn="ctr"/>
+            <a:r>
+              <a:rPr lang="en-US" altLang="zh-CN" sz="1600" dirty="0" smtClean="0">
+                <a:solidFill>
+                  <a:schemeClr val="tx1"/>
+                </a:solidFill>
+              </a:rPr>
+              <a:t>connected</a:t>
+            </a:r>
+            <a:endParaRPr lang="zh-CN" altLang="en-US" sz="1600" dirty="0">
+              <a:solidFill>
+                <a:schemeClr val="tx1"/>
+              </a:solidFill>
+            </a:endParaRPr>
+          </a:p>
+        </p:txBody>
+      </p:sp>
+      <p:cxnSp>
+        <p:nvCxnSpPr>
+          <p:cNvPr id="28" name="直接箭头连接符 27"/>
+          <p:cNvCxnSpPr/>
+          <p:nvPr/>
+        </p:nvCxnSpPr>
+        <p:spPr>
+          <a:xfrm flipV="1">
+            <a:off x="2140222" y="4085112"/>
+            <a:ext cx="0" cy="1567348"/>
+          </a:xfrm>
+          <a:prstGeom prst="straightConnector1">
+            <a:avLst/>
+          </a:prstGeom>
+          <a:ln w="38100">
+            <a:solidFill>
+              <a:schemeClr val="tx1"/>
+            </a:solidFill>
+            <a:prstDash val="lgDash"/>
+            <a:tailEnd type="triangle"/>
+          </a:ln>
+        </p:spPr>
+        <p:style>
+          <a:lnRef idx="1">
+            <a:schemeClr val="accent1"/>
+          </a:lnRef>
+          <a:fillRef idx="0">
+            <a:schemeClr val="accent1"/>
+          </a:fillRef>
+          <a:effectRef idx="0">
+            <a:schemeClr val="accent1"/>
+          </a:effectRef>
+          <a:fontRef idx="minor">
+            <a:schemeClr val="tx1"/>
+          </a:fontRef>
+        </p:style>
+      </p:cxnSp>
+      <p:sp>
+        <p:nvSpPr>
+          <p:cNvPr id="29" name="矩形 28"/>
+          <p:cNvSpPr/>
+          <p:nvPr/>
+        </p:nvSpPr>
+        <p:spPr>
+          <a:xfrm>
+            <a:off x="2040499" y="4691973"/>
+            <a:ext cx="1130653" cy="447952"/>
+          </a:xfrm>
+          <a:prstGeom prst="rect">
+            <a:avLst/>
+          </a:prstGeom>
+          <a:noFill/>
+          <a:ln>
+            <a:noFill/>
+          </a:ln>
+        </p:spPr>
+        <p:style>
+          <a:lnRef idx="2">
+            <a:schemeClr val="accent1">
+              <a:shade val="50000"/>
+            </a:schemeClr>
+          </a:lnRef>
+          <a:fillRef idx="1">
+            <a:schemeClr val="accent1"/>
+          </a:fillRef>
+          <a:effectRef idx="0">
+            <a:schemeClr val="accent1"/>
+          </a:effectRef>
+          <a:fontRef idx="minor">
+            <a:schemeClr val="lt1"/>
+          </a:fontRef>
+        </p:style>
+        <p:txBody>
+          <a:bodyPr rtlCol="0" anchor="ctr"/>
+          <a:lstStyle/>
+          <a:p>
+            <a:pPr algn="ctr"/>
+            <a:r>
+              <a:rPr lang="en-US" altLang="zh-CN" sz="1600" dirty="0" smtClean="0">
+                <a:solidFill>
+                  <a:schemeClr val="tx1"/>
+                </a:solidFill>
+              </a:rPr>
+              <a:t>get </a:t>
+            </a:r>
+            <a:r>
+              <a:rPr lang="en-US" altLang="zh-CN" sz="1600" dirty="0" smtClean="0">
+                <a:solidFill>
+                  <a:schemeClr val="tx1"/>
+                </a:solidFill>
+              </a:rPr>
+              <a:t>key2</a:t>
+            </a:r>
+            <a:endParaRPr lang="zh-CN" altLang="en-US" sz="1600" dirty="0">
+              <a:solidFill>
+                <a:schemeClr val="tx1"/>
+              </a:solidFill>
+            </a:endParaRPr>
+          </a:p>
+        </p:txBody>
+      </p:sp>
+      <p:cxnSp>
+        <p:nvCxnSpPr>
+          <p:cNvPr id="31" name="直接箭头连接符 30"/>
+          <p:cNvCxnSpPr/>
+          <p:nvPr/>
+        </p:nvCxnSpPr>
+        <p:spPr>
+          <a:xfrm>
+            <a:off x="3491345" y="4085112"/>
+            <a:ext cx="0" cy="1567348"/>
+          </a:xfrm>
+          <a:prstGeom prst="straightConnector1">
+            <a:avLst/>
+          </a:prstGeom>
+          <a:ln w="38100">
+            <a:solidFill>
+              <a:schemeClr val="tx1"/>
+            </a:solidFill>
+            <a:prstDash val="lgDash"/>
+            <a:tailEnd type="triangle"/>
+          </a:ln>
+        </p:spPr>
+        <p:style>
+          <a:lnRef idx="1">
+            <a:schemeClr val="accent1"/>
+          </a:lnRef>
+          <a:fillRef idx="0">
+            <a:schemeClr val="accent1"/>
+          </a:fillRef>
+          <a:effectRef idx="0">
+            <a:schemeClr val="accent1"/>
+          </a:effectRef>
+          <a:fontRef idx="minor">
+            <a:schemeClr val="tx1"/>
+          </a:fontRef>
+        </p:style>
+      </p:cxnSp>
+      <p:sp>
+        <p:nvSpPr>
+          <p:cNvPr id="32" name="矩形 31"/>
+          <p:cNvSpPr/>
+          <p:nvPr/>
+        </p:nvSpPr>
+        <p:spPr>
+          <a:xfrm>
+            <a:off x="4836201" y="1188030"/>
+            <a:ext cx="2923310" cy="560614"/>
+          </a:xfrm>
+          <a:prstGeom prst="rect">
+            <a:avLst/>
+          </a:prstGeom>
+          <a:noFill/>
+          <a:ln>
+            <a:noFill/>
+          </a:ln>
+        </p:spPr>
+        <p:style>
+          <a:lnRef idx="2">
+            <a:schemeClr val="accent1">
+              <a:shade val="50000"/>
+            </a:schemeClr>
+          </a:lnRef>
+          <a:fillRef idx="1">
+            <a:schemeClr val="accent1"/>
+          </a:fillRef>
+          <a:effectRef idx="0">
+            <a:schemeClr val="accent1"/>
+          </a:effectRef>
+          <a:fontRef idx="minor">
+            <a:schemeClr val="lt1"/>
+          </a:fontRef>
+        </p:style>
+        <p:txBody>
+          <a:bodyPr rtlCol="0" anchor="ctr"/>
+          <a:lstStyle/>
+          <a:p>
+            <a:pPr algn="ctr"/>
+            <a:r>
+              <a:rPr lang="en-US" altLang="zh-CN" sz="1600" dirty="0">
+                <a:solidFill>
+                  <a:schemeClr val="tx1"/>
+                </a:solidFill>
+              </a:rPr>
+              <a:t>m</a:t>
+            </a:r>
+            <a:r>
+              <a:rPr lang="en-US" altLang="zh-CN" sz="1600" dirty="0" smtClean="0">
+                <a:solidFill>
+                  <a:schemeClr val="tx1"/>
+                </a:solidFill>
+              </a:rPr>
+              <a:t>aster</a:t>
+            </a:r>
+            <a:endParaRPr lang="zh-CN" altLang="en-US" sz="1600" dirty="0">
+              <a:solidFill>
+                <a:schemeClr val="tx1"/>
+              </a:solidFill>
+            </a:endParaRPr>
+          </a:p>
+        </p:txBody>
+      </p:sp>
+      <p:sp>
+        <p:nvSpPr>
+          <p:cNvPr id="33" name="矩形 32"/>
+          <p:cNvSpPr/>
+          <p:nvPr/>
+        </p:nvSpPr>
+        <p:spPr>
+          <a:xfrm>
+            <a:off x="8473880" y="1228010"/>
+            <a:ext cx="2923310" cy="560614"/>
+          </a:xfrm>
+          <a:prstGeom prst="rect">
+            <a:avLst/>
+          </a:prstGeom>
+          <a:noFill/>
+          <a:ln>
+            <a:noFill/>
+          </a:ln>
+        </p:spPr>
+        <p:style>
+          <a:lnRef idx="2">
+            <a:schemeClr val="accent1">
+              <a:shade val="50000"/>
+            </a:schemeClr>
+          </a:lnRef>
+          <a:fillRef idx="1">
+            <a:schemeClr val="accent1"/>
+          </a:fillRef>
+          <a:effectRef idx="0">
+            <a:schemeClr val="accent1"/>
+          </a:effectRef>
+          <a:fontRef idx="minor">
+            <a:schemeClr val="lt1"/>
+          </a:fontRef>
+        </p:style>
+        <p:txBody>
+          <a:bodyPr rtlCol="0" anchor="ctr"/>
+          <a:lstStyle/>
+          <a:p>
+            <a:pPr algn="ctr"/>
+            <a:r>
+              <a:rPr lang="en-US" altLang="zh-CN" sz="1600" dirty="0" smtClean="0">
+                <a:solidFill>
+                  <a:schemeClr val="tx1"/>
+                </a:solidFill>
+              </a:rPr>
+              <a:t>slave</a:t>
+            </a:r>
+            <a:endParaRPr lang="zh-CN" altLang="en-US" sz="1600" dirty="0">
+              <a:solidFill>
+                <a:schemeClr val="tx1"/>
+              </a:solidFill>
+            </a:endParaRPr>
+          </a:p>
+        </p:txBody>
+      </p:sp>
+      <p:sp>
+        <p:nvSpPr>
+          <p:cNvPr id="34" name="矩形 33"/>
+          <p:cNvSpPr/>
+          <p:nvPr/>
+        </p:nvSpPr>
+        <p:spPr>
+          <a:xfrm>
+            <a:off x="3437165" y="4701704"/>
+            <a:ext cx="1508366" cy="447952"/>
+          </a:xfrm>
+          <a:prstGeom prst="rect">
+            <a:avLst/>
+          </a:prstGeom>
+          <a:noFill/>
+          <a:ln>
+            <a:noFill/>
+          </a:ln>
+        </p:spPr>
+        <p:style>
+          <a:lnRef idx="2">
+            <a:schemeClr val="accent1">
+              <a:shade val="50000"/>
+            </a:schemeClr>
+          </a:lnRef>
+          <a:fillRef idx="1">
+            <a:schemeClr val="accent1"/>
+          </a:fillRef>
+          <a:effectRef idx="0">
+            <a:schemeClr val="accent1"/>
+          </a:effectRef>
+          <a:fontRef idx="minor">
+            <a:schemeClr val="lt1"/>
+          </a:fontRef>
+        </p:style>
+        <p:txBody>
+          <a:bodyPr rtlCol="0" anchor="ctr"/>
+          <a:lstStyle/>
+          <a:p>
+            <a:pPr algn="ctr"/>
+            <a:r>
+              <a:rPr lang="en-US" altLang="zh-CN" sz="1600" dirty="0">
+                <a:solidFill>
+                  <a:schemeClr val="tx1"/>
+                </a:solidFill>
+              </a:rPr>
+              <a:t>r</a:t>
+            </a:r>
+            <a:r>
+              <a:rPr lang="en-US" altLang="zh-CN" sz="1600" dirty="0" smtClean="0">
+                <a:solidFill>
+                  <a:schemeClr val="tx1"/>
+                </a:solidFill>
+              </a:rPr>
+              <a:t>eturn value2</a:t>
+            </a:r>
+            <a:endParaRPr lang="zh-CN" altLang="en-US" sz="1600" dirty="0">
+              <a:solidFill>
+                <a:schemeClr val="tx1"/>
+              </a:solidFill>
+            </a:endParaRPr>
+          </a:p>
+        </p:txBody>
+      </p:sp>
+      <p:sp>
+        <p:nvSpPr>
+          <p:cNvPr id="56" name="矩形 55"/>
+          <p:cNvSpPr/>
+          <p:nvPr/>
+        </p:nvSpPr>
+        <p:spPr>
+          <a:xfrm>
+            <a:off x="8957277" y="5595362"/>
+            <a:ext cx="2316957" cy="771896"/>
+          </a:xfrm>
+          <a:prstGeom prst="rect">
+            <a:avLst/>
+          </a:prstGeom>
+          <a:solidFill>
+            <a:schemeClr val="accent3">
+              <a:lumMod val="75000"/>
+            </a:schemeClr>
+          </a:solidFill>
+        </p:spPr>
+        <p:style>
+          <a:lnRef idx="2">
+            <a:schemeClr val="accent1">
+              <a:shade val="50000"/>
+            </a:schemeClr>
+          </a:lnRef>
+          <a:fillRef idx="1">
+            <a:schemeClr val="accent1"/>
+          </a:fillRef>
+          <a:effectRef idx="0">
+            <a:schemeClr val="accent1"/>
+          </a:effectRef>
+          <a:fontRef idx="minor">
+            <a:schemeClr val="lt1"/>
+          </a:fontRef>
+        </p:style>
+        <p:txBody>
+          <a:bodyPr rtlCol="0" anchor="ctr"/>
+          <a:lstStyle/>
+          <a:p>
+            <a:pPr algn="ctr"/>
+            <a:r>
+              <a:rPr lang="en-US" altLang="zh-CN" dirty="0" err="1"/>
+              <a:t>r</a:t>
+            </a:r>
+            <a:r>
+              <a:rPr lang="en-US" altLang="zh-CN" dirty="0" err="1" smtClean="0"/>
+              <a:t>edis</a:t>
+            </a:r>
+            <a:r>
+              <a:rPr lang="en-US" altLang="zh-CN" dirty="0" smtClean="0"/>
+              <a:t>-cli</a:t>
+            </a:r>
+            <a:endParaRPr lang="zh-CN" altLang="en-US" dirty="0"/>
+          </a:p>
+        </p:txBody>
+      </p:sp>
+      <p:sp>
+        <p:nvSpPr>
+          <p:cNvPr id="58" name="矩形 57"/>
+          <p:cNvSpPr/>
+          <p:nvPr/>
+        </p:nvSpPr>
+        <p:spPr>
+          <a:xfrm>
+            <a:off x="8049459" y="4655418"/>
+            <a:ext cx="1508366" cy="447952"/>
+          </a:xfrm>
+          <a:prstGeom prst="rect">
+            <a:avLst/>
+          </a:prstGeom>
+          <a:noFill/>
+          <a:ln>
+            <a:noFill/>
+          </a:ln>
+        </p:spPr>
+        <p:style>
+          <a:lnRef idx="2">
+            <a:schemeClr val="accent1">
+              <a:shade val="50000"/>
+            </a:schemeClr>
+          </a:lnRef>
+          <a:fillRef idx="1">
+            <a:schemeClr val="accent1"/>
+          </a:fillRef>
+          <a:effectRef idx="0">
+            <a:schemeClr val="accent1"/>
+          </a:effectRef>
+          <a:fontRef idx="minor">
+            <a:schemeClr val="lt1"/>
+          </a:fontRef>
+        </p:style>
+        <p:txBody>
+          <a:bodyPr rtlCol="0" anchor="ctr"/>
+          <a:lstStyle/>
+          <a:p>
+            <a:pPr algn="ctr"/>
+            <a:r>
+              <a:rPr lang="en-US" altLang="zh-CN" sz="1600" dirty="0">
+                <a:solidFill>
+                  <a:schemeClr val="tx1"/>
+                </a:solidFill>
+              </a:rPr>
+              <a:t>r</a:t>
+            </a:r>
+            <a:r>
+              <a:rPr lang="en-US" altLang="zh-CN" sz="1600" dirty="0" smtClean="0">
+                <a:solidFill>
+                  <a:schemeClr val="tx1"/>
+                </a:solidFill>
+              </a:rPr>
+              <a:t>eturn value2</a:t>
+            </a:r>
+            <a:endParaRPr lang="zh-CN" altLang="en-US" sz="1600" dirty="0">
+              <a:solidFill>
+                <a:schemeClr val="tx1"/>
+              </a:solidFill>
+            </a:endParaRPr>
+          </a:p>
+        </p:txBody>
+      </p:sp>
+      <p:sp>
+        <p:nvSpPr>
+          <p:cNvPr id="59" name="矩形 58"/>
+          <p:cNvSpPr/>
+          <p:nvPr/>
+        </p:nvSpPr>
+        <p:spPr>
+          <a:xfrm>
+            <a:off x="9613403" y="4682719"/>
+            <a:ext cx="1130653" cy="447952"/>
+          </a:xfrm>
+          <a:prstGeom prst="rect">
+            <a:avLst/>
+          </a:prstGeom>
+          <a:noFill/>
+          <a:ln>
+            <a:noFill/>
+          </a:ln>
+        </p:spPr>
+        <p:style>
+          <a:lnRef idx="2">
+            <a:schemeClr val="accent1">
+              <a:shade val="50000"/>
+            </a:schemeClr>
+          </a:lnRef>
+          <a:fillRef idx="1">
+            <a:schemeClr val="accent1"/>
+          </a:fillRef>
+          <a:effectRef idx="0">
+            <a:schemeClr val="accent1"/>
+          </a:effectRef>
+          <a:fontRef idx="minor">
+            <a:schemeClr val="lt1"/>
+          </a:fontRef>
+        </p:style>
+        <p:txBody>
+          <a:bodyPr rtlCol="0" anchor="ctr"/>
+          <a:lstStyle/>
+          <a:p>
+            <a:pPr algn="ctr"/>
+            <a:r>
+              <a:rPr lang="en-US" altLang="zh-CN" sz="1600" dirty="0" smtClean="0">
+                <a:solidFill>
+                  <a:schemeClr val="tx1"/>
+                </a:solidFill>
+              </a:rPr>
+              <a:t>get </a:t>
+            </a:r>
+            <a:r>
+              <a:rPr lang="en-US" altLang="zh-CN" sz="1600" dirty="0" smtClean="0">
+                <a:solidFill>
+                  <a:schemeClr val="tx1"/>
+                </a:solidFill>
+              </a:rPr>
+              <a:t>key2</a:t>
+            </a:r>
+            <a:endParaRPr lang="zh-CN" altLang="en-US" sz="1600" dirty="0">
+              <a:solidFill>
+                <a:schemeClr val="tx1"/>
+              </a:solidFill>
+            </a:endParaRPr>
+          </a:p>
+        </p:txBody>
+      </p:sp>
+      <p:sp>
+        <p:nvSpPr>
+          <p:cNvPr id="61" name="矩形 60"/>
+          <p:cNvSpPr/>
+          <p:nvPr/>
+        </p:nvSpPr>
+        <p:spPr>
+          <a:xfrm>
+            <a:off x="11123113" y="4646200"/>
+            <a:ext cx="1130653" cy="447952"/>
+          </a:xfrm>
+          <a:prstGeom prst="rect">
+            <a:avLst/>
+          </a:prstGeom>
+          <a:noFill/>
+          <a:ln>
+            <a:noFill/>
+          </a:ln>
+        </p:spPr>
+        <p:style>
+          <a:lnRef idx="2">
+            <a:schemeClr val="accent1">
+              <a:shade val="50000"/>
+            </a:schemeClr>
+          </a:lnRef>
+          <a:fillRef idx="1">
+            <a:schemeClr val="accent1"/>
+          </a:fillRef>
+          <a:effectRef idx="0">
+            <a:schemeClr val="accent1"/>
+          </a:effectRef>
+          <a:fontRef idx="minor">
+            <a:schemeClr val="lt1"/>
+          </a:fontRef>
+        </p:style>
+        <p:txBody>
+          <a:bodyPr rtlCol="0" anchor="ctr"/>
+          <a:lstStyle/>
+          <a:p>
+            <a:pPr algn="ctr"/>
+            <a:r>
+              <a:rPr lang="en-US" altLang="zh-CN" sz="1600" dirty="0" smtClean="0">
+                <a:solidFill>
+                  <a:schemeClr val="tx1"/>
+                </a:solidFill>
+              </a:rPr>
+              <a:t>connected</a:t>
+            </a:r>
+            <a:endParaRPr lang="zh-CN" altLang="en-US" sz="1600" dirty="0">
+              <a:solidFill>
+                <a:schemeClr val="tx1"/>
+              </a:solidFill>
+            </a:endParaRPr>
+          </a:p>
+        </p:txBody>
+      </p:sp>
+      <p:cxnSp>
+        <p:nvCxnSpPr>
+          <p:cNvPr id="62" name="直接箭头连接符 61"/>
+          <p:cNvCxnSpPr/>
+          <p:nvPr/>
+        </p:nvCxnSpPr>
+        <p:spPr>
+          <a:xfrm>
+            <a:off x="11182905" y="4028014"/>
+            <a:ext cx="1" cy="1567348"/>
+          </a:xfrm>
+          <a:prstGeom prst="straightConnector1">
+            <a:avLst/>
+          </a:prstGeom>
+          <a:ln w="57150" cap="flat" cmpd="sng" algn="ctr">
+            <a:solidFill>
+              <a:schemeClr val="accent5"/>
+            </a:solidFill>
+            <a:prstDash val="solid"/>
+            <a:round/>
+            <a:headEnd type="arrow" w="med" len="med"/>
+            <a:tailEnd type="arrow" w="med" len="med"/>
+          </a:ln>
+        </p:spPr>
+        <p:style>
+          <a:lnRef idx="0">
+            <a:scrgbClr r="0" g="0" b="0"/>
+          </a:lnRef>
+          <a:fillRef idx="0">
+            <a:scrgbClr r="0" g="0" b="0"/>
+          </a:fillRef>
+          <a:effectRef idx="0">
+            <a:scrgbClr r="0" g="0" b="0"/>
+          </a:effectRef>
+          <a:fontRef idx="minor">
+            <a:schemeClr val="tx1"/>
+          </a:fontRef>
+        </p:style>
+      </p:cxnSp>
+      <p:cxnSp>
+        <p:nvCxnSpPr>
+          <p:cNvPr id="63" name="直接箭头连接符 62"/>
+          <p:cNvCxnSpPr/>
+          <p:nvPr/>
+        </p:nvCxnSpPr>
+        <p:spPr>
+          <a:xfrm flipV="1">
+            <a:off x="10688477" y="4028014"/>
+            <a:ext cx="0" cy="1567348"/>
+          </a:xfrm>
+          <a:prstGeom prst="straightConnector1">
+            <a:avLst/>
+          </a:prstGeom>
+          <a:ln w="38100">
+            <a:solidFill>
+              <a:schemeClr val="tx1"/>
+            </a:solidFill>
+            <a:prstDash val="lgDash"/>
+            <a:tailEnd type="triangle"/>
+          </a:ln>
+        </p:spPr>
+        <p:style>
+          <a:lnRef idx="1">
+            <a:schemeClr val="accent1"/>
+          </a:lnRef>
+          <a:fillRef idx="0">
+            <a:schemeClr val="accent1"/>
+          </a:fillRef>
+          <a:effectRef idx="0">
+            <a:schemeClr val="accent1"/>
+          </a:effectRef>
+          <a:fontRef idx="minor">
+            <a:schemeClr val="tx1"/>
+          </a:fontRef>
+        </p:style>
+      </p:cxnSp>
+      <p:cxnSp>
+        <p:nvCxnSpPr>
+          <p:cNvPr id="64" name="直接箭头连接符 63"/>
+          <p:cNvCxnSpPr/>
+          <p:nvPr/>
+        </p:nvCxnSpPr>
+        <p:spPr>
+          <a:xfrm>
+            <a:off x="9446667" y="4028014"/>
+            <a:ext cx="0" cy="1567348"/>
+          </a:xfrm>
+          <a:prstGeom prst="straightConnector1">
+            <a:avLst/>
+          </a:prstGeom>
+          <a:ln w="38100">
+            <a:solidFill>
+              <a:schemeClr val="tx1"/>
+            </a:solidFill>
+            <a:prstDash val="lgDash"/>
+            <a:tailEnd type="triangle"/>
+          </a:ln>
+        </p:spPr>
+        <p:style>
+          <a:lnRef idx="1">
+            <a:schemeClr val="accent1"/>
+          </a:lnRef>
+          <a:fillRef idx="0">
+            <a:schemeClr val="accent1"/>
+          </a:fillRef>
+          <a:effectRef idx="0">
+            <a:schemeClr val="accent1"/>
+          </a:effectRef>
+          <a:fontRef idx="minor">
+            <a:schemeClr val="tx1"/>
+          </a:fontRef>
+        </p:style>
+      </p:cxnSp>
+      <p:sp>
+        <p:nvSpPr>
+          <p:cNvPr id="37" name="矩形 36"/>
+          <p:cNvSpPr/>
+          <p:nvPr/>
+        </p:nvSpPr>
+        <p:spPr>
+          <a:xfrm>
+            <a:off x="3855948" y="2315936"/>
+            <a:ext cx="670800" cy="641267"/>
+          </a:xfrm>
+          <a:prstGeom prst="rect">
+            <a:avLst/>
+          </a:prstGeom>
+          <a:noFill/>
+          <a:ln>
+            <a:noFill/>
+          </a:ln>
+        </p:spPr>
+        <p:style>
+          <a:lnRef idx="2">
+            <a:schemeClr val="accent1">
+              <a:shade val="50000"/>
+            </a:schemeClr>
+          </a:lnRef>
+          <a:fillRef idx="1">
+            <a:schemeClr val="accent1"/>
+          </a:fillRef>
+          <a:effectRef idx="0">
+            <a:schemeClr val="accent1"/>
+          </a:effectRef>
+          <a:fontRef idx="minor">
+            <a:schemeClr val="lt1"/>
+          </a:fontRef>
+        </p:style>
+        <p:txBody>
+          <a:bodyPr rtlCol="0" anchor="ctr"/>
+          <a:lstStyle/>
+          <a:p>
+            <a:pPr algn="ctr"/>
+            <a:r>
+              <a:rPr lang="en-US" altLang="zh-CN" sz="2400" b="1" dirty="0" smtClean="0">
+                <a:solidFill>
+                  <a:schemeClr val="tx1"/>
+                </a:solidFill>
+              </a:rPr>
+              <a:t>…</a:t>
+            </a:r>
+            <a:endParaRPr lang="zh-CN" altLang="en-US" sz="2400" b="1" dirty="0" smtClean="0">
+              <a:solidFill>
+                <a:schemeClr val="tx1"/>
+              </a:solidFill>
+            </a:endParaRPr>
+          </a:p>
+          <a:p>
+            <a:pPr algn="ctr"/>
+            <a:endParaRPr lang="zh-CN" altLang="en-US" sz="2400" b="1" dirty="0">
+              <a:solidFill>
+                <a:schemeClr val="tx1"/>
+              </a:solidFill>
+            </a:endParaRPr>
+          </a:p>
+        </p:txBody>
+      </p:sp>
+      <p:graphicFrame>
+        <p:nvGraphicFramePr>
+          <p:cNvPr id="38" name="表格 37"/>
+          <p:cNvGraphicFramePr>
+            <a:graphicFrameLocks noGrp="1"/>
+          </p:cNvGraphicFramePr>
+          <p:nvPr>
+            <p:extLst>
+              <p:ext uri="{D42A27DB-BD31-4B8C-83A1-F6EECF244321}">
+                <p14:modId xmlns:p14="http://schemas.microsoft.com/office/powerpoint/2010/main" val="2691618602"/>
+              </p:ext>
+            </p:extLst>
+          </p:nvPr>
+        </p:nvGraphicFramePr>
+        <p:xfrm>
+          <a:off x="8973627" y="1910089"/>
+          <a:ext cx="1970636" cy="1463040"/>
+        </p:xfrm>
+        <a:graphic>
+          <a:graphicData uri="http://schemas.openxmlformats.org/drawingml/2006/table">
+            <a:tbl>
+              <a:tblPr firstRow="1" bandRow="1">
+                <a:tableStyleId>{93296810-A885-4BE3-A3E7-6D5BEEA58F35}</a:tableStyleId>
+              </a:tblPr>
+              <a:tblGrid>
+                <a:gridCol w="985318">
+                  <a:extLst>
+                    <a:ext uri="{9D8B030D-6E8A-4147-A177-3AD203B41FA5}">
+                      <a16:colId xmlns:a16="http://schemas.microsoft.com/office/drawing/2014/main" val="686841733"/>
+                    </a:ext>
+                  </a:extLst>
+                </a:gridCol>
+                <a:gridCol w="985318">
+                  <a:extLst>
+                    <a:ext uri="{9D8B030D-6E8A-4147-A177-3AD203B41FA5}">
+                      <a16:colId xmlns:a16="http://schemas.microsoft.com/office/drawing/2014/main" val="3772081346"/>
+                    </a:ext>
+                  </a:extLst>
+                </a:gridCol>
+              </a:tblGrid>
+              <a:tr h="247032">
+                <a:tc>
+                  <a:txBody>
+                    <a:bodyPr/>
+                    <a:lstStyle/>
+                    <a:p>
+                      <a:pPr algn="ctr"/>
+                      <a:r>
+                        <a:rPr lang="en-US" altLang="zh-CN" dirty="0" smtClean="0"/>
+                        <a:t>key</a:t>
+                      </a:r>
+                      <a:endParaRPr lang="zh-CN" altLang="en-US" dirty="0">
+                        <a:solidFill>
+                          <a:schemeClr val="tx1"/>
+                        </a:solidFill>
+                      </a:endParaRPr>
+                    </a:p>
+                  </a:txBody>
+                  <a:tcPr/>
+                </a:tc>
+                <a:tc>
+                  <a:txBody>
+                    <a:bodyPr/>
+                    <a:lstStyle/>
+                    <a:p>
+                      <a:pPr algn="ctr"/>
+                      <a:r>
+                        <a:rPr lang="en-US" altLang="zh-CN" dirty="0" smtClean="0"/>
+                        <a:t>value</a:t>
+                      </a:r>
+                      <a:endParaRPr lang="zh-CN" altLang="en-US" dirty="0">
+                        <a:solidFill>
+                          <a:schemeClr val="tx1"/>
+                        </a:solidFill>
+                      </a:endParaRPr>
+                    </a:p>
+                  </a:txBody>
+                  <a:tcPr/>
+                </a:tc>
+                <a:extLst>
+                  <a:ext uri="{0D108BD9-81ED-4DB2-BD59-A6C34878D82A}">
+                    <a16:rowId xmlns:a16="http://schemas.microsoft.com/office/drawing/2014/main" val="1792960908"/>
+                  </a:ext>
+                </a:extLst>
+              </a:tr>
+              <a:tr h="247032">
+                <a:tc>
+                  <a:txBody>
+                    <a:bodyPr/>
+                    <a:lstStyle/>
+                    <a:p>
+                      <a:pPr algn="ctr"/>
+                      <a:r>
+                        <a:rPr lang="en-US" altLang="zh-CN" dirty="0" smtClean="0">
+                          <a:solidFill>
+                            <a:schemeClr val="tx1"/>
+                          </a:solidFill>
+                        </a:rPr>
+                        <a:t>key1</a:t>
+                      </a:r>
+                      <a:endParaRPr lang="zh-CN" altLang="en-US" dirty="0">
+                        <a:solidFill>
+                          <a:schemeClr val="tx1"/>
+                        </a:solidFill>
+                      </a:endParaRPr>
+                    </a:p>
+                  </a:txBody>
+                  <a:tcPr/>
+                </a:tc>
+                <a:tc>
+                  <a:txBody>
+                    <a:bodyPr/>
+                    <a:lstStyle/>
+                    <a:p>
+                      <a:pPr algn="ctr"/>
+                      <a:r>
+                        <a:rPr lang="en-US" altLang="zh-CN" dirty="0" smtClean="0">
+                          <a:solidFill>
+                            <a:schemeClr val="tx1"/>
+                          </a:solidFill>
+                        </a:rPr>
+                        <a:t>value1</a:t>
+                      </a:r>
+                      <a:endParaRPr lang="en-US" altLang="zh-CN" dirty="0" smtClean="0">
+                        <a:solidFill>
+                          <a:schemeClr val="tx1"/>
+                        </a:solidFill>
+                      </a:endParaRPr>
+                    </a:p>
+                  </a:txBody>
+                  <a:tcPr/>
+                </a:tc>
+                <a:extLst>
+                  <a:ext uri="{0D108BD9-81ED-4DB2-BD59-A6C34878D82A}">
+                    <a16:rowId xmlns:a16="http://schemas.microsoft.com/office/drawing/2014/main" val="665617159"/>
+                  </a:ext>
+                </a:extLst>
+              </a:tr>
+              <a:tr h="247032">
+                <a:tc>
+                  <a:txBody>
+                    <a:bodyPr/>
+                    <a:lstStyle/>
+                    <a:p>
+                      <a:pPr algn="ctr"/>
+                      <a:r>
+                        <a:rPr lang="en-US" altLang="zh-CN" dirty="0" smtClean="0">
+                          <a:solidFill>
+                            <a:schemeClr val="tx1"/>
+                          </a:solidFill>
+                        </a:rPr>
+                        <a:t>key2</a:t>
+                      </a:r>
+                      <a:endParaRPr lang="zh-CN" altLang="en-US" dirty="0">
+                        <a:solidFill>
+                          <a:schemeClr val="tx1"/>
+                        </a:solidFill>
+                      </a:endParaRPr>
+                    </a:p>
+                  </a:txBody>
+                  <a:tcPr/>
+                </a:tc>
+                <a:tc>
+                  <a:txBody>
+                    <a:bodyPr/>
+                    <a:lstStyle/>
+                    <a:p>
+                      <a:pPr algn="ctr"/>
+                      <a:r>
+                        <a:rPr lang="en-US" altLang="zh-CN" dirty="0" smtClean="0">
+                          <a:solidFill>
+                            <a:schemeClr val="tx1"/>
+                          </a:solidFill>
+                        </a:rPr>
+                        <a:t>value2</a:t>
+                      </a:r>
+                      <a:endParaRPr lang="zh-CN" altLang="en-US" dirty="0">
+                        <a:solidFill>
+                          <a:schemeClr val="tx1"/>
+                        </a:solidFill>
+                      </a:endParaRPr>
+                    </a:p>
+                  </a:txBody>
+                  <a:tcPr/>
+                </a:tc>
+                <a:extLst>
+                  <a:ext uri="{0D108BD9-81ED-4DB2-BD59-A6C34878D82A}">
+                    <a16:rowId xmlns:a16="http://schemas.microsoft.com/office/drawing/2014/main" val="3810028031"/>
+                  </a:ext>
+                </a:extLst>
+              </a:tr>
+              <a:tr h="247032">
+                <a:tc>
+                  <a:txBody>
+                    <a:bodyPr/>
+                    <a:lstStyle/>
+                    <a:p>
+                      <a:pPr algn="ctr"/>
+                      <a:r>
+                        <a:rPr lang="en-US" altLang="zh-CN" dirty="0" smtClean="0">
+                          <a:solidFill>
+                            <a:schemeClr val="tx1"/>
+                          </a:solidFill>
+                        </a:rPr>
+                        <a:t>key3</a:t>
+                      </a:r>
+                      <a:endParaRPr lang="zh-CN" altLang="en-US" dirty="0">
+                        <a:solidFill>
+                          <a:schemeClr val="tx1"/>
+                        </a:solidFill>
+                      </a:endParaRPr>
+                    </a:p>
+                  </a:txBody>
+                  <a:tcPr/>
+                </a:tc>
+                <a:tc>
+                  <a:txBody>
+                    <a:bodyPr/>
+                    <a:lstStyle/>
+                    <a:p>
+                      <a:pPr algn="ctr"/>
+                      <a:r>
+                        <a:rPr lang="en-US" altLang="zh-CN" dirty="0" smtClean="0">
+                          <a:solidFill>
+                            <a:schemeClr val="tx1"/>
+                          </a:solidFill>
+                        </a:rPr>
+                        <a:t>value3</a:t>
+                      </a:r>
+                      <a:endParaRPr lang="zh-CN" altLang="en-US" dirty="0">
+                        <a:solidFill>
+                          <a:schemeClr val="tx1"/>
+                        </a:solidFill>
+                      </a:endParaRPr>
+                    </a:p>
+                  </a:txBody>
+                  <a:tcPr/>
+                </a:tc>
+                <a:extLst>
+                  <a:ext uri="{0D108BD9-81ED-4DB2-BD59-A6C34878D82A}">
+                    <a16:rowId xmlns:a16="http://schemas.microsoft.com/office/drawing/2014/main" val="3960951586"/>
+                  </a:ext>
+                </a:extLst>
+              </a:tr>
+            </a:tbl>
+          </a:graphicData>
+        </a:graphic>
+      </p:graphicFrame>
+      <p:graphicFrame>
+        <p:nvGraphicFramePr>
+          <p:cNvPr id="39" name="表格 38"/>
+          <p:cNvGraphicFramePr>
+            <a:graphicFrameLocks noGrp="1"/>
+          </p:cNvGraphicFramePr>
+          <p:nvPr>
+            <p:extLst>
+              <p:ext uri="{D42A27DB-BD31-4B8C-83A1-F6EECF244321}">
+                <p14:modId xmlns:p14="http://schemas.microsoft.com/office/powerpoint/2010/main" val="2687273619"/>
+              </p:ext>
+            </p:extLst>
+          </p:nvPr>
+        </p:nvGraphicFramePr>
+        <p:xfrm>
+          <a:off x="1222087" y="1862357"/>
+          <a:ext cx="1970636" cy="1463040"/>
+        </p:xfrm>
+        <a:graphic>
+          <a:graphicData uri="http://schemas.openxmlformats.org/drawingml/2006/table">
+            <a:tbl>
+              <a:tblPr firstRow="1" bandRow="1">
+                <a:tableStyleId>{93296810-A885-4BE3-A3E7-6D5BEEA58F35}</a:tableStyleId>
+              </a:tblPr>
+              <a:tblGrid>
+                <a:gridCol w="985318">
+                  <a:extLst>
+                    <a:ext uri="{9D8B030D-6E8A-4147-A177-3AD203B41FA5}">
+                      <a16:colId xmlns:a16="http://schemas.microsoft.com/office/drawing/2014/main" val="686841733"/>
+                    </a:ext>
+                  </a:extLst>
+                </a:gridCol>
+                <a:gridCol w="985318">
+                  <a:extLst>
+                    <a:ext uri="{9D8B030D-6E8A-4147-A177-3AD203B41FA5}">
+                      <a16:colId xmlns:a16="http://schemas.microsoft.com/office/drawing/2014/main" val="3772081346"/>
+                    </a:ext>
+                  </a:extLst>
+                </a:gridCol>
+              </a:tblGrid>
+              <a:tr h="247032">
+                <a:tc>
+                  <a:txBody>
+                    <a:bodyPr/>
+                    <a:lstStyle/>
+                    <a:p>
+                      <a:pPr algn="ctr"/>
+                      <a:r>
+                        <a:rPr lang="en-US" altLang="zh-CN" dirty="0" smtClean="0"/>
+                        <a:t>key</a:t>
+                      </a:r>
+                      <a:endParaRPr lang="zh-CN" altLang="en-US" dirty="0">
+                        <a:solidFill>
+                          <a:schemeClr val="tx1"/>
+                        </a:solidFill>
+                      </a:endParaRPr>
+                    </a:p>
+                  </a:txBody>
+                  <a:tcPr/>
+                </a:tc>
+                <a:tc>
+                  <a:txBody>
+                    <a:bodyPr/>
+                    <a:lstStyle/>
+                    <a:p>
+                      <a:pPr algn="ctr"/>
+                      <a:r>
+                        <a:rPr lang="en-US" altLang="zh-CN" dirty="0" smtClean="0"/>
+                        <a:t>value</a:t>
+                      </a:r>
+                      <a:endParaRPr lang="zh-CN" altLang="en-US" dirty="0">
+                        <a:solidFill>
+                          <a:schemeClr val="tx1"/>
+                        </a:solidFill>
+                      </a:endParaRPr>
+                    </a:p>
+                  </a:txBody>
+                  <a:tcPr/>
+                </a:tc>
+                <a:extLst>
+                  <a:ext uri="{0D108BD9-81ED-4DB2-BD59-A6C34878D82A}">
+                    <a16:rowId xmlns:a16="http://schemas.microsoft.com/office/drawing/2014/main" val="1792960908"/>
+                  </a:ext>
+                </a:extLst>
+              </a:tr>
+              <a:tr h="247032">
+                <a:tc>
+                  <a:txBody>
+                    <a:bodyPr/>
+                    <a:lstStyle/>
+                    <a:p>
+                      <a:pPr algn="ctr"/>
+                      <a:r>
+                        <a:rPr lang="en-US" altLang="zh-CN" dirty="0" smtClean="0">
+                          <a:solidFill>
+                            <a:schemeClr val="tx1"/>
+                          </a:solidFill>
+                        </a:rPr>
+                        <a:t>key1</a:t>
+                      </a:r>
+                      <a:endParaRPr lang="zh-CN" altLang="en-US" dirty="0">
+                        <a:solidFill>
+                          <a:schemeClr val="tx1"/>
+                        </a:solidFill>
+                      </a:endParaRPr>
+                    </a:p>
+                  </a:txBody>
+                  <a:tcPr/>
+                </a:tc>
+                <a:tc>
+                  <a:txBody>
+                    <a:bodyPr/>
+                    <a:lstStyle/>
+                    <a:p>
+                      <a:pPr algn="ctr"/>
+                      <a:r>
+                        <a:rPr lang="en-US" altLang="zh-CN" dirty="0" smtClean="0">
+                          <a:solidFill>
+                            <a:schemeClr val="tx1"/>
+                          </a:solidFill>
+                        </a:rPr>
+                        <a:t>value1</a:t>
+                      </a:r>
+                      <a:endParaRPr lang="en-US" altLang="zh-CN" dirty="0" smtClean="0">
+                        <a:solidFill>
+                          <a:schemeClr val="tx1"/>
+                        </a:solidFill>
+                      </a:endParaRPr>
+                    </a:p>
+                  </a:txBody>
+                  <a:tcPr/>
+                </a:tc>
+                <a:extLst>
+                  <a:ext uri="{0D108BD9-81ED-4DB2-BD59-A6C34878D82A}">
+                    <a16:rowId xmlns:a16="http://schemas.microsoft.com/office/drawing/2014/main" val="665617159"/>
+                  </a:ext>
+                </a:extLst>
+              </a:tr>
+              <a:tr h="247032">
+                <a:tc>
+                  <a:txBody>
+                    <a:bodyPr/>
+                    <a:lstStyle/>
+                    <a:p>
+                      <a:pPr algn="ctr"/>
+                      <a:r>
+                        <a:rPr lang="en-US" altLang="zh-CN" dirty="0" smtClean="0">
+                          <a:solidFill>
+                            <a:schemeClr val="tx1"/>
+                          </a:solidFill>
+                        </a:rPr>
+                        <a:t>key2</a:t>
+                      </a:r>
+                      <a:endParaRPr lang="zh-CN" altLang="en-US" dirty="0">
+                        <a:solidFill>
+                          <a:schemeClr val="tx1"/>
+                        </a:solidFill>
+                      </a:endParaRPr>
+                    </a:p>
+                  </a:txBody>
+                  <a:tcPr/>
+                </a:tc>
+                <a:tc>
+                  <a:txBody>
+                    <a:bodyPr/>
+                    <a:lstStyle/>
+                    <a:p>
+                      <a:pPr algn="ctr"/>
+                      <a:r>
+                        <a:rPr lang="en-US" altLang="zh-CN" dirty="0" smtClean="0">
+                          <a:solidFill>
+                            <a:schemeClr val="tx1"/>
+                          </a:solidFill>
+                        </a:rPr>
+                        <a:t>value2</a:t>
+                      </a:r>
+                      <a:endParaRPr lang="zh-CN" altLang="en-US" dirty="0">
+                        <a:solidFill>
+                          <a:schemeClr val="tx1"/>
+                        </a:solidFill>
+                      </a:endParaRPr>
+                    </a:p>
+                  </a:txBody>
+                  <a:tcPr/>
+                </a:tc>
+                <a:extLst>
+                  <a:ext uri="{0D108BD9-81ED-4DB2-BD59-A6C34878D82A}">
+                    <a16:rowId xmlns:a16="http://schemas.microsoft.com/office/drawing/2014/main" val="3810028031"/>
+                  </a:ext>
+                </a:extLst>
+              </a:tr>
+              <a:tr h="247032">
+                <a:tc>
+                  <a:txBody>
+                    <a:bodyPr/>
+                    <a:lstStyle/>
+                    <a:p>
+                      <a:pPr algn="ctr"/>
+                      <a:r>
+                        <a:rPr lang="en-US" altLang="zh-CN" dirty="0" smtClean="0">
+                          <a:solidFill>
+                            <a:schemeClr val="tx1"/>
+                          </a:solidFill>
+                        </a:rPr>
+                        <a:t>key3</a:t>
+                      </a:r>
+                      <a:endParaRPr lang="zh-CN" altLang="en-US" dirty="0">
+                        <a:solidFill>
+                          <a:schemeClr val="tx1"/>
+                        </a:solidFill>
+                      </a:endParaRPr>
+                    </a:p>
+                  </a:txBody>
+                  <a:tcPr/>
+                </a:tc>
+                <a:tc>
+                  <a:txBody>
+                    <a:bodyPr/>
+                    <a:lstStyle/>
+                    <a:p>
+                      <a:pPr algn="ctr"/>
+                      <a:r>
+                        <a:rPr lang="en-US" altLang="zh-CN" dirty="0" smtClean="0">
+                          <a:solidFill>
+                            <a:schemeClr val="tx1"/>
+                          </a:solidFill>
+                        </a:rPr>
+                        <a:t>value3</a:t>
+                      </a:r>
+                      <a:endParaRPr lang="zh-CN" altLang="en-US" dirty="0">
+                        <a:solidFill>
+                          <a:schemeClr val="tx1"/>
+                        </a:solidFill>
+                      </a:endParaRPr>
+                    </a:p>
+                  </a:txBody>
+                  <a:tcPr/>
+                </a:tc>
+                <a:extLst>
+                  <a:ext uri="{0D108BD9-81ED-4DB2-BD59-A6C34878D82A}">
+                    <a16:rowId xmlns:a16="http://schemas.microsoft.com/office/drawing/2014/main" val="3960951586"/>
+                  </a:ext>
+                </a:extLst>
+              </a:tr>
+            </a:tbl>
+          </a:graphicData>
+        </a:graphic>
+      </p:graphicFrame>
+    </p:spTree>
+    <p:extLst>
+      <p:ext uri="{BB962C8B-B14F-4D97-AF65-F5344CB8AC3E}">
+        <p14:creationId xmlns:p14="http://schemas.microsoft.com/office/powerpoint/2010/main" val="3489388430"/>
+      </p:ext>
+    </p:extLst>
+  </p:cSld>
+  <p:clrMapOvr>
+    <a:masterClrMapping/>
+  </p:clrMapOvr>
+  <p:timing>
+    <p:tnLst>
+      <p:par>
+        <p:cTn id="1" dur="indefinite" restart="never" nodeType="tmRoot"/>
+      </p:par>
+    </p:tnLst>
+  </p:timing>
+</p:sld>
+</file>
+
 <file path=ppt/theme/theme1.xml><?xml version="1.0" encoding="utf-8"?>
 <a:theme xmlns:a="http://schemas.openxmlformats.org/drawingml/2006/main" name="Office 主题​​">
   <a:themeElements>

--- a/pic/RdmaAcc.pptx
+++ b/pic/RdmaAcc.pptx
@@ -7,6 +7,7 @@
   <p:sldIdLst>
     <p:sldId id="256" r:id="rId2"/>
     <p:sldId id="257" r:id="rId3"/>
+    <p:sldId id="258" r:id="rId4"/>
   </p:sldIdLst>
   <p:sldSz cx="12192000" cy="6858000"/>
   <p:notesSz cx="6858000" cy="9144000"/>
@@ -244,7 +245,7 @@
           <a:p>
             <a:fld id="{B9C72CDF-366A-48AC-9D56-FEA500FA9797}" type="datetimeFigureOut">
               <a:rPr lang="zh-CN" altLang="en-US" smtClean="0"/>
-              <a:t>2018/9/28</a:t>
+              <a:t>2018/9/29</a:t>
             </a:fld>
             <a:endParaRPr lang="zh-CN" altLang="en-US"/>
           </a:p>
@@ -414,7 +415,7 @@
           <a:p>
             <a:fld id="{B9C72CDF-366A-48AC-9D56-FEA500FA9797}" type="datetimeFigureOut">
               <a:rPr lang="zh-CN" altLang="en-US" smtClean="0"/>
-              <a:t>2018/9/28</a:t>
+              <a:t>2018/9/29</a:t>
             </a:fld>
             <a:endParaRPr lang="zh-CN" altLang="en-US"/>
           </a:p>
@@ -594,7 +595,7 @@
           <a:p>
             <a:fld id="{B9C72CDF-366A-48AC-9D56-FEA500FA9797}" type="datetimeFigureOut">
               <a:rPr lang="zh-CN" altLang="en-US" smtClean="0"/>
-              <a:t>2018/9/28</a:t>
+              <a:t>2018/9/29</a:t>
             </a:fld>
             <a:endParaRPr lang="zh-CN" altLang="en-US"/>
           </a:p>
@@ -764,7 +765,7 @@
           <a:p>
             <a:fld id="{B9C72CDF-366A-48AC-9D56-FEA500FA9797}" type="datetimeFigureOut">
               <a:rPr lang="zh-CN" altLang="en-US" smtClean="0"/>
-              <a:t>2018/9/28</a:t>
+              <a:t>2018/9/29</a:t>
             </a:fld>
             <a:endParaRPr lang="zh-CN" altLang="en-US"/>
           </a:p>
@@ -1010,7 +1011,7 @@
           <a:p>
             <a:fld id="{B9C72CDF-366A-48AC-9D56-FEA500FA9797}" type="datetimeFigureOut">
               <a:rPr lang="zh-CN" altLang="en-US" smtClean="0"/>
-              <a:t>2018/9/28</a:t>
+              <a:t>2018/9/29</a:t>
             </a:fld>
             <a:endParaRPr lang="zh-CN" altLang="en-US"/>
           </a:p>
@@ -1242,7 +1243,7 @@
           <a:p>
             <a:fld id="{B9C72CDF-366A-48AC-9D56-FEA500FA9797}" type="datetimeFigureOut">
               <a:rPr lang="zh-CN" altLang="en-US" smtClean="0"/>
-              <a:t>2018/9/28</a:t>
+              <a:t>2018/9/29</a:t>
             </a:fld>
             <a:endParaRPr lang="zh-CN" altLang="en-US"/>
           </a:p>
@@ -1609,7 +1610,7 @@
           <a:p>
             <a:fld id="{B9C72CDF-366A-48AC-9D56-FEA500FA9797}" type="datetimeFigureOut">
               <a:rPr lang="zh-CN" altLang="en-US" smtClean="0"/>
-              <a:t>2018/9/28</a:t>
+              <a:t>2018/9/29</a:t>
             </a:fld>
             <a:endParaRPr lang="zh-CN" altLang="en-US"/>
           </a:p>
@@ -1727,7 +1728,7 @@
           <a:p>
             <a:fld id="{B9C72CDF-366A-48AC-9D56-FEA500FA9797}" type="datetimeFigureOut">
               <a:rPr lang="zh-CN" altLang="en-US" smtClean="0"/>
-              <a:t>2018/9/28</a:t>
+              <a:t>2018/9/29</a:t>
             </a:fld>
             <a:endParaRPr lang="zh-CN" altLang="en-US"/>
           </a:p>
@@ -1822,7 +1823,7 @@
           <a:p>
             <a:fld id="{B9C72CDF-366A-48AC-9D56-FEA500FA9797}" type="datetimeFigureOut">
               <a:rPr lang="zh-CN" altLang="en-US" smtClean="0"/>
-              <a:t>2018/9/28</a:t>
+              <a:t>2018/9/29</a:t>
             </a:fld>
             <a:endParaRPr lang="zh-CN" altLang="en-US"/>
           </a:p>
@@ -2099,7 +2100,7 @@
           <a:p>
             <a:fld id="{B9C72CDF-366A-48AC-9D56-FEA500FA9797}" type="datetimeFigureOut">
               <a:rPr lang="zh-CN" altLang="en-US" smtClean="0"/>
-              <a:t>2018/9/28</a:t>
+              <a:t>2018/9/29</a:t>
             </a:fld>
             <a:endParaRPr lang="zh-CN" altLang="en-US"/>
           </a:p>
@@ -2352,7 +2353,7 @@
           <a:p>
             <a:fld id="{B9C72CDF-366A-48AC-9D56-FEA500FA9797}" type="datetimeFigureOut">
               <a:rPr lang="zh-CN" altLang="en-US" smtClean="0"/>
-              <a:t>2018/9/28</a:t>
+              <a:t>2018/9/29</a:t>
             </a:fld>
             <a:endParaRPr lang="zh-CN" altLang="en-US"/>
           </a:p>
@@ -2565,7 +2566,7 @@
           <a:p>
             <a:fld id="{B9C72CDF-366A-48AC-9D56-FEA500FA9797}" type="datetimeFigureOut">
               <a:rPr lang="zh-CN" altLang="en-US" smtClean="0"/>
-              <a:t>2018/9/28</a:t>
+              <a:t>2018/9/29</a:t>
             </a:fld>
             <a:endParaRPr lang="zh-CN" altLang="en-US"/>
           </a:p>
@@ -5825,11 +5826,6 @@
                         </a:rPr>
                         <a:t>value1</a:t>
                       </a:r>
-                      <a:endParaRPr lang="en-US" altLang="zh-CN" dirty="0" smtClean="0">
-                        <a:solidFill>
-                          <a:schemeClr val="tx1"/>
-                        </a:solidFill>
-                      </a:endParaRPr>
                     </a:p>
                   </a:txBody>
                   <a:tcPr/>
@@ -6185,15 +6181,7 @@
                   <a:schemeClr val="tx1"/>
                 </a:solidFill>
               </a:rPr>
-              <a:t>get </a:t>
-            </a:r>
-            <a:r>
-              <a:rPr lang="en-US" altLang="zh-CN" sz="1600" dirty="0" smtClean="0">
-                <a:solidFill>
-                  <a:schemeClr val="tx1"/>
-                </a:solidFill>
-              </a:rPr>
-              <a:t>key2</a:t>
+              <a:t>get key2</a:t>
             </a:r>
             <a:endParaRPr lang="zh-CN" altLang="en-US" sz="1600" dirty="0">
               <a:solidFill>
@@ -6591,15 +6579,7 @@
                   <a:schemeClr val="tx1"/>
                 </a:solidFill>
               </a:rPr>
-              <a:t>get </a:t>
-            </a:r>
-            <a:r>
-              <a:rPr lang="en-US" altLang="zh-CN" sz="1600" dirty="0" smtClean="0">
-                <a:solidFill>
-                  <a:schemeClr val="tx1"/>
-                </a:solidFill>
-              </a:rPr>
-              <a:t>key2</a:t>
+              <a:t>get key2</a:t>
             </a:r>
             <a:endParaRPr lang="zh-CN" altLang="en-US" sz="1600" dirty="0">
               <a:solidFill>
@@ -6965,11 +6945,6 @@
                         </a:rPr>
                         <a:t>value1</a:t>
                       </a:r>
-                      <a:endParaRPr lang="en-US" altLang="zh-CN" dirty="0" smtClean="0">
-                        <a:solidFill>
-                          <a:schemeClr val="tx1"/>
-                        </a:solidFill>
-                      </a:endParaRPr>
                     </a:p>
                   </a:txBody>
                   <a:tcPr/>
@@ -7213,11 +7188,6 @@
                         </a:rPr>
                         <a:t>value1</a:t>
                       </a:r>
-                      <a:endParaRPr lang="en-US" altLang="zh-CN" dirty="0" smtClean="0">
-                        <a:solidFill>
-                          <a:schemeClr val="tx1"/>
-                        </a:solidFill>
-                      </a:endParaRPr>
                     </a:p>
                   </a:txBody>
                   <a:tcPr/>
@@ -7355,6 +7325,36 @@
       </p:par>
     </p:tnLst>
   </p:timing>
+</p:sld>
+</file>
+
+<file path=ppt/slides/slide3.xml><?xml version="1.0" encoding="utf-8"?>
+<p:sld xmlns:a="http://schemas.openxmlformats.org/drawingml/2006/main" xmlns:r="http://schemas.openxmlformats.org/officeDocument/2006/relationships" xmlns:p="http://schemas.openxmlformats.org/presentationml/2006/main">
+  <p:cSld>
+    <p:spTree>
+      <p:nvGrpSpPr>
+        <p:cNvPr id="1" name=""/>
+        <p:cNvGrpSpPr/>
+        <p:nvPr/>
+      </p:nvGrpSpPr>
+      <p:grpSpPr>
+        <a:xfrm>
+          <a:off x="0" y="0"/>
+          <a:ext cx="0" cy="0"/>
+          <a:chOff x="0" y="0"/>
+          <a:chExt cx="0" cy="0"/>
+        </a:xfrm>
+      </p:grpSpPr>
+    </p:spTree>
+    <p:extLst>
+      <p:ext uri="{BB962C8B-B14F-4D97-AF65-F5344CB8AC3E}">
+        <p14:creationId xmlns:p14="http://schemas.microsoft.com/office/powerpoint/2010/main" val="127480777"/>
+      </p:ext>
+    </p:extLst>
+  </p:cSld>
+  <p:clrMapOvr>
+    <a:masterClrMapping/>
+  </p:clrMapOvr>
 </p:sld>
 </file>
 
